--- a/Homework/Week 8/DT_homework_8/DT_week8_part2.pptx
+++ b/Homework/Week 8/DT_homework_8/DT_week8_part2.pptx
@@ -6,11 +6,12 @@
   </p:sldMasterIdLst>
   <p:sldIdLst>
     <p:sldId id="256" r:id="rId2"/>
-    <p:sldId id="257" r:id="rId3"/>
-    <p:sldId id="259" r:id="rId4"/>
-    <p:sldId id="261" r:id="rId5"/>
-    <p:sldId id="264" r:id="rId6"/>
-    <p:sldId id="265" r:id="rId7"/>
+    <p:sldId id="266" r:id="rId3"/>
+    <p:sldId id="257" r:id="rId4"/>
+    <p:sldId id="259" r:id="rId5"/>
+    <p:sldId id="261" r:id="rId6"/>
+    <p:sldId id="264" r:id="rId7"/>
+    <p:sldId id="265" r:id="rId8"/>
   </p:sldIdLst>
   <p:sldSz cx="12192000" cy="6858000"/>
   <p:notesSz cx="6858000" cy="9144000"/>
@@ -3059,67 +3060,253 @@
       </p:grpSpPr>
       <p:sp>
         <p:nvSpPr>
-          <p:cNvPr id="2" name="Title 1"/>
-          <p:cNvSpPr>
-            <a:spLocks noGrp="1"/>
-          </p:cNvSpPr>
-          <p:nvPr>
-            <p:ph type="title"/>
-          </p:nvPr>
-        </p:nvSpPr>
-        <p:spPr/>
-        <p:txBody>
-          <a:bodyPr/>
-          <a:lstStyle/>
-          <a:p>
-            <a:r>
-              <a:rPr lang="en-US" smtClean="0"/>
-              <a:t>1. Gauss filter</a:t>
-            </a:r>
-            <a:endParaRPr lang="en-US"/>
-          </a:p>
-        </p:txBody>
-      </p:sp>
-      <p:sp>
-        <p:nvSpPr>
-          <p:cNvPr id="8" name="TextBox 7"/>
-          <p:cNvSpPr txBox="1"/>
+          <p:cNvPr id="4" name="Title 1"/>
+          <p:cNvSpPr>
+            <a:spLocks noGrp="1"/>
+          </p:cNvSpPr>
           <p:nvPr/>
         </p:nvSpPr>
         <p:spPr>
           <a:xfrm>
-            <a:off x="733025" y="5939412"/>
-            <a:ext cx="1545295" cy="369332"/>
+            <a:off x="1335110" y="666482"/>
+            <a:ext cx="1918952" cy="824247"/>
           </a:xfrm>
           <a:prstGeom prst="rect">
             <a:avLst/>
           </a:prstGeom>
-          <a:noFill/>
-        </p:spPr>
-        <p:txBody>
-          <a:bodyPr wrap="none" rtlCol="0">
-            <a:spAutoFit/>
+        </p:spPr>
+        <p:txBody>
+          <a:bodyPr vert="horz" lIns="91440" tIns="45720" rIns="91440" bIns="45720" rtlCol="0" anchor="b">
+            <a:normAutofit fontScale="90000" lnSpcReduction="10000"/>
           </a:bodyPr>
-          <a:lstStyle/>
-          <a:p>
-            <a:r>
-              <a:rPr lang="en-US" smtClean="0"/>
-              <a:t>Original Image</a:t>
-            </a:r>
+          <a:lstStyle>
+            <a:lvl1pPr algn="ctr" defTabSz="914400" rtl="0" eaLnBrk="1" latinLnBrk="0" hangingPunct="1">
+              <a:lnSpc>
+                <a:spcPct val="90000"/>
+              </a:lnSpc>
+              <a:spcBef>
+                <a:spcPct val="0"/>
+              </a:spcBef>
+              <a:buNone/>
+              <a:defRPr sz="6000" kern="1200">
+                <a:solidFill>
+                  <a:schemeClr val="tx1"/>
+                </a:solidFill>
+                <a:latin typeface="+mj-lt"/>
+                <a:ea typeface="+mj-ea"/>
+                <a:cs typeface="+mj-cs"/>
+              </a:defRPr>
+            </a:lvl1pPr>
+          </a:lstStyle>
+          <a:p>
+            <a:r>
+              <a:rPr lang="en-US" dirty="0" err="1" smtClean="0"/>
+              <a:t>Tatoo</a:t>
+            </a:r>
+            <a:endParaRPr lang="en-US" dirty="0"/>
+          </a:p>
+        </p:txBody>
+      </p:sp>
+      <p:sp>
+        <p:nvSpPr>
+          <p:cNvPr id="5" name="Subtitle 2"/>
+          <p:cNvSpPr>
+            <a:spLocks noGrp="1"/>
+          </p:cNvSpPr>
+          <p:nvPr/>
+        </p:nvSpPr>
+        <p:spPr>
+          <a:xfrm>
+            <a:off x="1712889" y="3508666"/>
+            <a:ext cx="9144000" cy="1655762"/>
+          </a:xfrm>
+          <a:prstGeom prst="rect">
+            <a:avLst/>
+          </a:prstGeom>
+        </p:spPr>
+        <p:txBody>
+          <a:bodyPr vert="horz" lIns="91440" tIns="45720" rIns="91440" bIns="45720" rtlCol="0">
+            <a:normAutofit/>
+          </a:bodyPr>
+          <a:lstStyle>
+            <a:lvl1pPr marL="0" indent="0" algn="ctr" defTabSz="914400" rtl="0" eaLnBrk="1" latinLnBrk="0" hangingPunct="1">
+              <a:lnSpc>
+                <a:spcPct val="90000"/>
+              </a:lnSpc>
+              <a:spcBef>
+                <a:spcPts val="1000"/>
+              </a:spcBef>
+              <a:buFont typeface="Arial" panose="020B0604020202020204" pitchFamily="34" charset="0"/>
+              <a:buNone/>
+              <a:defRPr sz="2400" kern="1200">
+                <a:solidFill>
+                  <a:schemeClr val="tx1"/>
+                </a:solidFill>
+                <a:latin typeface="+mn-lt"/>
+                <a:ea typeface="+mn-ea"/>
+                <a:cs typeface="+mn-cs"/>
+              </a:defRPr>
+            </a:lvl1pPr>
+            <a:lvl2pPr marL="457200" indent="0" algn="ctr" defTabSz="914400" rtl="0" eaLnBrk="1" latinLnBrk="0" hangingPunct="1">
+              <a:lnSpc>
+                <a:spcPct val="90000"/>
+              </a:lnSpc>
+              <a:spcBef>
+                <a:spcPts val="500"/>
+              </a:spcBef>
+              <a:buFont typeface="Arial" panose="020B0604020202020204" pitchFamily="34" charset="0"/>
+              <a:buNone/>
+              <a:defRPr sz="2000" kern="1200">
+                <a:solidFill>
+                  <a:schemeClr val="tx1"/>
+                </a:solidFill>
+                <a:latin typeface="+mn-lt"/>
+                <a:ea typeface="+mn-ea"/>
+                <a:cs typeface="+mn-cs"/>
+              </a:defRPr>
+            </a:lvl2pPr>
+            <a:lvl3pPr marL="914400" indent="0" algn="ctr" defTabSz="914400" rtl="0" eaLnBrk="1" latinLnBrk="0" hangingPunct="1">
+              <a:lnSpc>
+                <a:spcPct val="90000"/>
+              </a:lnSpc>
+              <a:spcBef>
+                <a:spcPts val="500"/>
+              </a:spcBef>
+              <a:buFont typeface="Arial" panose="020B0604020202020204" pitchFamily="34" charset="0"/>
+              <a:buNone/>
+              <a:defRPr sz="1800" kern="1200">
+                <a:solidFill>
+                  <a:schemeClr val="tx1"/>
+                </a:solidFill>
+                <a:latin typeface="+mn-lt"/>
+                <a:ea typeface="+mn-ea"/>
+                <a:cs typeface="+mn-cs"/>
+              </a:defRPr>
+            </a:lvl3pPr>
+            <a:lvl4pPr marL="1371600" indent="0" algn="ctr" defTabSz="914400" rtl="0" eaLnBrk="1" latinLnBrk="0" hangingPunct="1">
+              <a:lnSpc>
+                <a:spcPct val="90000"/>
+              </a:lnSpc>
+              <a:spcBef>
+                <a:spcPts val="500"/>
+              </a:spcBef>
+              <a:buFont typeface="Arial" panose="020B0604020202020204" pitchFamily="34" charset="0"/>
+              <a:buNone/>
+              <a:defRPr sz="1600" kern="1200">
+                <a:solidFill>
+                  <a:schemeClr val="tx1"/>
+                </a:solidFill>
+                <a:latin typeface="+mn-lt"/>
+                <a:ea typeface="+mn-ea"/>
+                <a:cs typeface="+mn-cs"/>
+              </a:defRPr>
+            </a:lvl4pPr>
+            <a:lvl5pPr marL="1828800" indent="0" algn="ctr" defTabSz="914400" rtl="0" eaLnBrk="1" latinLnBrk="0" hangingPunct="1">
+              <a:lnSpc>
+                <a:spcPct val="90000"/>
+              </a:lnSpc>
+              <a:spcBef>
+                <a:spcPts val="500"/>
+              </a:spcBef>
+              <a:buFont typeface="Arial" panose="020B0604020202020204" pitchFamily="34" charset="0"/>
+              <a:buNone/>
+              <a:defRPr sz="1600" kern="1200">
+                <a:solidFill>
+                  <a:schemeClr val="tx1"/>
+                </a:solidFill>
+                <a:latin typeface="+mn-lt"/>
+                <a:ea typeface="+mn-ea"/>
+                <a:cs typeface="+mn-cs"/>
+              </a:defRPr>
+            </a:lvl5pPr>
+            <a:lvl6pPr marL="2286000" indent="0" algn="ctr" defTabSz="914400" rtl="0" eaLnBrk="1" latinLnBrk="0" hangingPunct="1">
+              <a:lnSpc>
+                <a:spcPct val="90000"/>
+              </a:lnSpc>
+              <a:spcBef>
+                <a:spcPts val="500"/>
+              </a:spcBef>
+              <a:buFont typeface="Arial" panose="020B0604020202020204" pitchFamily="34" charset="0"/>
+              <a:buNone/>
+              <a:defRPr sz="1600" kern="1200">
+                <a:solidFill>
+                  <a:schemeClr val="tx1"/>
+                </a:solidFill>
+                <a:latin typeface="+mn-lt"/>
+                <a:ea typeface="+mn-ea"/>
+                <a:cs typeface="+mn-cs"/>
+              </a:defRPr>
+            </a:lvl6pPr>
+            <a:lvl7pPr marL="2743200" indent="0" algn="ctr" defTabSz="914400" rtl="0" eaLnBrk="1" latinLnBrk="0" hangingPunct="1">
+              <a:lnSpc>
+                <a:spcPct val="90000"/>
+              </a:lnSpc>
+              <a:spcBef>
+                <a:spcPts val="500"/>
+              </a:spcBef>
+              <a:buFont typeface="Arial" panose="020B0604020202020204" pitchFamily="34" charset="0"/>
+              <a:buNone/>
+              <a:defRPr sz="1600" kern="1200">
+                <a:solidFill>
+                  <a:schemeClr val="tx1"/>
+                </a:solidFill>
+                <a:latin typeface="+mn-lt"/>
+                <a:ea typeface="+mn-ea"/>
+                <a:cs typeface="+mn-cs"/>
+              </a:defRPr>
+            </a:lvl7pPr>
+            <a:lvl8pPr marL="3200400" indent="0" algn="ctr" defTabSz="914400" rtl="0" eaLnBrk="1" latinLnBrk="0" hangingPunct="1">
+              <a:lnSpc>
+                <a:spcPct val="90000"/>
+              </a:lnSpc>
+              <a:spcBef>
+                <a:spcPts val="500"/>
+              </a:spcBef>
+              <a:buFont typeface="Arial" panose="020B0604020202020204" pitchFamily="34" charset="0"/>
+              <a:buNone/>
+              <a:defRPr sz="1600" kern="1200">
+                <a:solidFill>
+                  <a:schemeClr val="tx1"/>
+                </a:solidFill>
+                <a:latin typeface="+mn-lt"/>
+                <a:ea typeface="+mn-ea"/>
+                <a:cs typeface="+mn-cs"/>
+              </a:defRPr>
+            </a:lvl8pPr>
+            <a:lvl9pPr marL="3657600" indent="0" algn="ctr" defTabSz="914400" rtl="0" eaLnBrk="1" latinLnBrk="0" hangingPunct="1">
+              <a:lnSpc>
+                <a:spcPct val="90000"/>
+              </a:lnSpc>
+              <a:spcBef>
+                <a:spcPts val="500"/>
+              </a:spcBef>
+              <a:buFont typeface="Arial" panose="020B0604020202020204" pitchFamily="34" charset="0"/>
+              <a:buNone/>
+              <a:defRPr sz="1600" kern="1200">
+                <a:solidFill>
+                  <a:schemeClr val="tx1"/>
+                </a:solidFill>
+                <a:latin typeface="+mn-lt"/>
+                <a:ea typeface="+mn-ea"/>
+                <a:cs typeface="+mn-cs"/>
+              </a:defRPr>
+            </a:lvl9pPr>
+          </a:lstStyle>
+          <a:p>
             <a:endParaRPr lang="en-US"/>
           </a:p>
         </p:txBody>
       </p:sp>
       <p:pic>
         <p:nvPicPr>
-          <p:cNvPr id="5" name="Picture 4"/>
+          <p:cNvPr id="6" name="Picture 5"/>
           <p:cNvPicPr>
             <a:picLocks noChangeAspect="1"/>
           </p:cNvPicPr>
           <p:nvPr/>
         </p:nvPicPr>
         <p:blipFill>
-          <a:blip r:embed="rId2" cstate="print">
+          <a:blip r:embed="rId2">
             <a:extLst>
               <a:ext uri="{28A0092B-C50C-407E-A947-70E740481C1C}">
                 <a14:useLocalDpi xmlns:a14="http://schemas.microsoft.com/office/drawing/2010/main" val="0"/>
@@ -3131,25 +3318,39 @@
           </a:stretch>
         </p:blipFill>
         <p:spPr>
-          <a:xfrm rot="5400000">
-            <a:off x="-501891" y="2190876"/>
-            <a:ext cx="4015129" cy="3011347"/>
+          <a:xfrm>
+            <a:off x="1712889" y="2070036"/>
+            <a:ext cx="2869272" cy="3423126"/>
           </a:xfrm>
           <a:prstGeom prst="rect">
             <a:avLst/>
           </a:prstGeom>
         </p:spPr>
+        <p:style>
+          <a:lnRef idx="2">
+            <a:schemeClr val="dk1"/>
+          </a:lnRef>
+          <a:fillRef idx="1">
+            <a:schemeClr val="lt1"/>
+          </a:fillRef>
+          <a:effectRef idx="0">
+            <a:schemeClr val="dk1"/>
+          </a:effectRef>
+          <a:fontRef idx="minor">
+            <a:schemeClr val="dk1"/>
+          </a:fontRef>
+        </p:style>
       </p:pic>
       <p:pic>
         <p:nvPicPr>
-          <p:cNvPr id="6" name="Picture 5"/>
+          <p:cNvPr id="7" name="Picture 6"/>
           <p:cNvPicPr>
             <a:picLocks noChangeAspect="1"/>
           </p:cNvPicPr>
           <p:nvPr/>
         </p:nvPicPr>
         <p:blipFill>
-          <a:blip r:embed="rId3" cstate="print">
+          <a:blip r:embed="rId3">
             <a:extLst>
               <a:ext uri="{28A0092B-C50C-407E-A947-70E740481C1C}">
                 <a14:useLocalDpi xmlns:a14="http://schemas.microsoft.com/office/drawing/2010/main" val="0"/>
@@ -3161,25 +3362,39 @@
           </a:stretch>
         </p:blipFill>
         <p:spPr>
-          <a:xfrm rot="5400000">
-            <a:off x="8532144" y="2200256"/>
-            <a:ext cx="4015133" cy="3011350"/>
+          <a:xfrm>
+            <a:off x="5142077" y="2084464"/>
+            <a:ext cx="2564829" cy="3408698"/>
           </a:xfrm>
           <a:prstGeom prst="rect">
             <a:avLst/>
           </a:prstGeom>
         </p:spPr>
+        <p:style>
+          <a:lnRef idx="2">
+            <a:schemeClr val="dk1"/>
+          </a:lnRef>
+          <a:fillRef idx="1">
+            <a:schemeClr val="lt1"/>
+          </a:fillRef>
+          <a:effectRef idx="0">
+            <a:schemeClr val="dk1"/>
+          </a:effectRef>
+          <a:fontRef idx="minor">
+            <a:schemeClr val="dk1"/>
+          </a:fontRef>
+        </p:style>
       </p:pic>
       <p:pic>
         <p:nvPicPr>
-          <p:cNvPr id="7" name="Picture 6"/>
+          <p:cNvPr id="8" name="Picture 7"/>
           <p:cNvPicPr>
             <a:picLocks noChangeAspect="1"/>
           </p:cNvPicPr>
           <p:nvPr/>
         </p:nvPicPr>
         <p:blipFill>
-          <a:blip r:embed="rId4" cstate="print">
+          <a:blip r:embed="rId4">
             <a:extLst>
               <a:ext uri="{28A0092B-C50C-407E-A947-70E740481C1C}">
                 <a14:useLocalDpi xmlns:a14="http://schemas.microsoft.com/office/drawing/2010/main" val="0"/>
@@ -3191,9 +3406,9 @@
           </a:stretch>
         </p:blipFill>
         <p:spPr>
-          <a:xfrm rot="5400000">
-            <a:off x="2509081" y="2188251"/>
-            <a:ext cx="4018129" cy="3013597"/>
+          <a:xfrm>
+            <a:off x="8285859" y="2070036"/>
+            <a:ext cx="2571030" cy="3414754"/>
           </a:xfrm>
           <a:prstGeom prst="rect">
             <a:avLst/>
@@ -3202,128 +3417,422 @@
       </p:pic>
       <p:sp>
         <p:nvSpPr>
-          <p:cNvPr id="9" name="TextBox 8"/>
-          <p:cNvSpPr txBox="1"/>
+          <p:cNvPr id="9" name="Rectangle 8"/>
+          <p:cNvSpPr/>
           <p:nvPr/>
         </p:nvSpPr>
         <p:spPr>
           <a:xfrm>
-            <a:off x="3975368" y="5939412"/>
-            <a:ext cx="1085554" cy="369332"/>
+            <a:off x="2294586" y="5805152"/>
+            <a:ext cx="1139779" cy="386366"/>
           </a:xfrm>
           <a:prstGeom prst="rect">
             <a:avLst/>
           </a:prstGeom>
-          <a:noFill/>
-        </p:spPr>
-        <p:txBody>
-          <a:bodyPr wrap="none" rtlCol="0">
-            <a:spAutoFit/>
-          </a:bodyPr>
-          <a:lstStyle/>
-          <a:p>
-            <a:r>
-              <a:rPr lang="en-US" smtClean="0"/>
-              <a:t>Sigma = 5</a:t>
-            </a:r>
-            <a:endParaRPr lang="en-US"/>
-          </a:p>
-        </p:txBody>
-      </p:sp>
-      <p:sp>
-        <p:nvSpPr>
-          <p:cNvPr id="10" name="TextBox 9"/>
-          <p:cNvSpPr txBox="1"/>
+        </p:spPr>
+        <p:style>
+          <a:lnRef idx="2">
+            <a:schemeClr val="accent1">
+              <a:shade val="50000"/>
+            </a:schemeClr>
+          </a:lnRef>
+          <a:fillRef idx="1">
+            <a:schemeClr val="accent1"/>
+          </a:fillRef>
+          <a:effectRef idx="0">
+            <a:schemeClr val="accent1"/>
+          </a:effectRef>
+          <a:fontRef idx="minor">
+            <a:schemeClr val="lt1"/>
+          </a:fontRef>
+        </p:style>
+        <p:txBody>
+          <a:bodyPr rtlCol="0" anchor="ctr"/>
+          <a:lstStyle>
+            <a:defPPr>
+              <a:defRPr lang="en-US"/>
+            </a:defPPr>
+            <a:lvl1pPr marL="0" algn="l" defTabSz="914400" rtl="0" eaLnBrk="1" latinLnBrk="0" hangingPunct="1">
+              <a:defRPr sz="1800" kern="1200">
+                <a:solidFill>
+                  <a:schemeClr val="lt1"/>
+                </a:solidFill>
+                <a:latin typeface="+mn-lt"/>
+                <a:ea typeface="+mn-ea"/>
+                <a:cs typeface="+mn-cs"/>
+              </a:defRPr>
+            </a:lvl1pPr>
+            <a:lvl2pPr marL="457200" algn="l" defTabSz="914400" rtl="0" eaLnBrk="1" latinLnBrk="0" hangingPunct="1">
+              <a:defRPr sz="1800" kern="1200">
+                <a:solidFill>
+                  <a:schemeClr val="lt1"/>
+                </a:solidFill>
+                <a:latin typeface="+mn-lt"/>
+                <a:ea typeface="+mn-ea"/>
+                <a:cs typeface="+mn-cs"/>
+              </a:defRPr>
+            </a:lvl2pPr>
+            <a:lvl3pPr marL="914400" algn="l" defTabSz="914400" rtl="0" eaLnBrk="1" latinLnBrk="0" hangingPunct="1">
+              <a:defRPr sz="1800" kern="1200">
+                <a:solidFill>
+                  <a:schemeClr val="lt1"/>
+                </a:solidFill>
+                <a:latin typeface="+mn-lt"/>
+                <a:ea typeface="+mn-ea"/>
+                <a:cs typeface="+mn-cs"/>
+              </a:defRPr>
+            </a:lvl3pPr>
+            <a:lvl4pPr marL="1371600" algn="l" defTabSz="914400" rtl="0" eaLnBrk="1" latinLnBrk="0" hangingPunct="1">
+              <a:defRPr sz="1800" kern="1200">
+                <a:solidFill>
+                  <a:schemeClr val="lt1"/>
+                </a:solidFill>
+                <a:latin typeface="+mn-lt"/>
+                <a:ea typeface="+mn-ea"/>
+                <a:cs typeface="+mn-cs"/>
+              </a:defRPr>
+            </a:lvl4pPr>
+            <a:lvl5pPr marL="1828800" algn="l" defTabSz="914400" rtl="0" eaLnBrk="1" latinLnBrk="0" hangingPunct="1">
+              <a:defRPr sz="1800" kern="1200">
+                <a:solidFill>
+                  <a:schemeClr val="lt1"/>
+                </a:solidFill>
+                <a:latin typeface="+mn-lt"/>
+                <a:ea typeface="+mn-ea"/>
+                <a:cs typeface="+mn-cs"/>
+              </a:defRPr>
+            </a:lvl5pPr>
+            <a:lvl6pPr marL="2286000" algn="l" defTabSz="914400" rtl="0" eaLnBrk="1" latinLnBrk="0" hangingPunct="1">
+              <a:defRPr sz="1800" kern="1200">
+                <a:solidFill>
+                  <a:schemeClr val="lt1"/>
+                </a:solidFill>
+                <a:latin typeface="+mn-lt"/>
+                <a:ea typeface="+mn-ea"/>
+                <a:cs typeface="+mn-cs"/>
+              </a:defRPr>
+            </a:lvl6pPr>
+            <a:lvl7pPr marL="2743200" algn="l" defTabSz="914400" rtl="0" eaLnBrk="1" latinLnBrk="0" hangingPunct="1">
+              <a:defRPr sz="1800" kern="1200">
+                <a:solidFill>
+                  <a:schemeClr val="lt1"/>
+                </a:solidFill>
+                <a:latin typeface="+mn-lt"/>
+                <a:ea typeface="+mn-ea"/>
+                <a:cs typeface="+mn-cs"/>
+              </a:defRPr>
+            </a:lvl7pPr>
+            <a:lvl8pPr marL="3200400" algn="l" defTabSz="914400" rtl="0" eaLnBrk="1" latinLnBrk="0" hangingPunct="1">
+              <a:defRPr sz="1800" kern="1200">
+                <a:solidFill>
+                  <a:schemeClr val="lt1"/>
+                </a:solidFill>
+                <a:latin typeface="+mn-lt"/>
+                <a:ea typeface="+mn-ea"/>
+                <a:cs typeface="+mn-cs"/>
+              </a:defRPr>
+            </a:lvl8pPr>
+            <a:lvl9pPr marL="3657600" algn="l" defTabSz="914400" rtl="0" eaLnBrk="1" latinLnBrk="0" hangingPunct="1">
+              <a:defRPr sz="1800" kern="1200">
+                <a:solidFill>
+                  <a:schemeClr val="lt1"/>
+                </a:solidFill>
+                <a:latin typeface="+mn-lt"/>
+                <a:ea typeface="+mn-ea"/>
+                <a:cs typeface="+mn-cs"/>
+              </a:defRPr>
+            </a:lvl9pPr>
+          </a:lstStyle>
+          <a:p>
+            <a:pPr algn="ctr"/>
+            <a:r>
+              <a:rPr lang="en-US" dirty="0" smtClean="0"/>
+              <a:t>Threshold</a:t>
+            </a:r>
+            <a:endParaRPr lang="en-US" dirty="0"/>
+          </a:p>
+        </p:txBody>
+      </p:sp>
+      <p:sp>
+        <p:nvSpPr>
+          <p:cNvPr id="10" name="Rectangle 9"/>
+          <p:cNvSpPr/>
           <p:nvPr/>
         </p:nvSpPr>
         <p:spPr>
           <a:xfrm>
-            <a:off x="6927081" y="5939412"/>
-            <a:ext cx="1202573" cy="369332"/>
+            <a:off x="5546500" y="5805152"/>
+            <a:ext cx="1378040" cy="386366"/>
           </a:xfrm>
           <a:prstGeom prst="rect">
             <a:avLst/>
           </a:prstGeom>
-          <a:noFill/>
-        </p:spPr>
-        <p:txBody>
-          <a:bodyPr wrap="none" rtlCol="0">
-            <a:spAutoFit/>
-          </a:bodyPr>
-          <a:lstStyle/>
-          <a:p>
-            <a:r>
-              <a:rPr lang="en-US" smtClean="0"/>
-              <a:t>Sigma = 10</a:t>
-            </a:r>
-            <a:endParaRPr lang="en-US"/>
-          </a:p>
-        </p:txBody>
-      </p:sp>
-      <p:pic>
-        <p:nvPicPr>
-          <p:cNvPr id="11" name="Picture 10"/>
-          <p:cNvPicPr>
-            <a:picLocks noChangeAspect="1"/>
-          </p:cNvPicPr>
+        </p:spPr>
+        <p:style>
+          <a:lnRef idx="2">
+            <a:schemeClr val="accent1">
+              <a:shade val="50000"/>
+            </a:schemeClr>
+          </a:lnRef>
+          <a:fillRef idx="1">
+            <a:schemeClr val="accent1"/>
+          </a:fillRef>
+          <a:effectRef idx="0">
+            <a:schemeClr val="accent1"/>
+          </a:effectRef>
+          <a:fontRef idx="minor">
+            <a:schemeClr val="lt1"/>
+          </a:fontRef>
+        </p:style>
+        <p:txBody>
+          <a:bodyPr rtlCol="0" anchor="ctr"/>
+          <a:lstStyle>
+            <a:defPPr>
+              <a:defRPr lang="en-US"/>
+            </a:defPPr>
+            <a:lvl1pPr marL="0" algn="l" defTabSz="914400" rtl="0" eaLnBrk="1" latinLnBrk="0" hangingPunct="1">
+              <a:defRPr sz="1800" kern="1200">
+                <a:solidFill>
+                  <a:schemeClr val="lt1"/>
+                </a:solidFill>
+                <a:latin typeface="+mn-lt"/>
+                <a:ea typeface="+mn-ea"/>
+                <a:cs typeface="+mn-cs"/>
+              </a:defRPr>
+            </a:lvl1pPr>
+            <a:lvl2pPr marL="457200" algn="l" defTabSz="914400" rtl="0" eaLnBrk="1" latinLnBrk="0" hangingPunct="1">
+              <a:defRPr sz="1800" kern="1200">
+                <a:solidFill>
+                  <a:schemeClr val="lt1"/>
+                </a:solidFill>
+                <a:latin typeface="+mn-lt"/>
+                <a:ea typeface="+mn-ea"/>
+                <a:cs typeface="+mn-cs"/>
+              </a:defRPr>
+            </a:lvl2pPr>
+            <a:lvl3pPr marL="914400" algn="l" defTabSz="914400" rtl="0" eaLnBrk="1" latinLnBrk="0" hangingPunct="1">
+              <a:defRPr sz="1800" kern="1200">
+                <a:solidFill>
+                  <a:schemeClr val="lt1"/>
+                </a:solidFill>
+                <a:latin typeface="+mn-lt"/>
+                <a:ea typeface="+mn-ea"/>
+                <a:cs typeface="+mn-cs"/>
+              </a:defRPr>
+            </a:lvl3pPr>
+            <a:lvl4pPr marL="1371600" algn="l" defTabSz="914400" rtl="0" eaLnBrk="1" latinLnBrk="0" hangingPunct="1">
+              <a:defRPr sz="1800" kern="1200">
+                <a:solidFill>
+                  <a:schemeClr val="lt1"/>
+                </a:solidFill>
+                <a:latin typeface="+mn-lt"/>
+                <a:ea typeface="+mn-ea"/>
+                <a:cs typeface="+mn-cs"/>
+              </a:defRPr>
+            </a:lvl4pPr>
+            <a:lvl5pPr marL="1828800" algn="l" defTabSz="914400" rtl="0" eaLnBrk="1" latinLnBrk="0" hangingPunct="1">
+              <a:defRPr sz="1800" kern="1200">
+                <a:solidFill>
+                  <a:schemeClr val="lt1"/>
+                </a:solidFill>
+                <a:latin typeface="+mn-lt"/>
+                <a:ea typeface="+mn-ea"/>
+                <a:cs typeface="+mn-cs"/>
+              </a:defRPr>
+            </a:lvl5pPr>
+            <a:lvl6pPr marL="2286000" algn="l" defTabSz="914400" rtl="0" eaLnBrk="1" latinLnBrk="0" hangingPunct="1">
+              <a:defRPr sz="1800" kern="1200">
+                <a:solidFill>
+                  <a:schemeClr val="lt1"/>
+                </a:solidFill>
+                <a:latin typeface="+mn-lt"/>
+                <a:ea typeface="+mn-ea"/>
+                <a:cs typeface="+mn-cs"/>
+              </a:defRPr>
+            </a:lvl6pPr>
+            <a:lvl7pPr marL="2743200" algn="l" defTabSz="914400" rtl="0" eaLnBrk="1" latinLnBrk="0" hangingPunct="1">
+              <a:defRPr sz="1800" kern="1200">
+                <a:solidFill>
+                  <a:schemeClr val="lt1"/>
+                </a:solidFill>
+                <a:latin typeface="+mn-lt"/>
+                <a:ea typeface="+mn-ea"/>
+                <a:cs typeface="+mn-cs"/>
+              </a:defRPr>
+            </a:lvl7pPr>
+            <a:lvl8pPr marL="3200400" algn="l" defTabSz="914400" rtl="0" eaLnBrk="1" latinLnBrk="0" hangingPunct="1">
+              <a:defRPr sz="1800" kern="1200">
+                <a:solidFill>
+                  <a:schemeClr val="lt1"/>
+                </a:solidFill>
+                <a:latin typeface="+mn-lt"/>
+                <a:ea typeface="+mn-ea"/>
+                <a:cs typeface="+mn-cs"/>
+              </a:defRPr>
+            </a:lvl8pPr>
+            <a:lvl9pPr marL="3657600" algn="l" defTabSz="914400" rtl="0" eaLnBrk="1" latinLnBrk="0" hangingPunct="1">
+              <a:defRPr sz="1800" kern="1200">
+                <a:solidFill>
+                  <a:schemeClr val="lt1"/>
+                </a:solidFill>
+                <a:latin typeface="+mn-lt"/>
+                <a:ea typeface="+mn-ea"/>
+                <a:cs typeface="+mn-cs"/>
+              </a:defRPr>
+            </a:lvl9pPr>
+          </a:lstStyle>
+          <a:p>
+            <a:pPr algn="ctr"/>
+            <a:r>
+              <a:rPr lang="en-US" dirty="0" smtClean="0"/>
+              <a:t>skin</a:t>
+            </a:r>
+            <a:endParaRPr lang="en-US" dirty="0"/>
+          </a:p>
+        </p:txBody>
+      </p:sp>
+      <p:sp>
+        <p:nvSpPr>
+          <p:cNvPr id="11" name="Rectangle 10"/>
+          <p:cNvSpPr/>
           <p:nvPr/>
-        </p:nvPicPr>
-        <p:blipFill>
-          <a:blip r:embed="rId5" cstate="print">
-            <a:extLst>
-              <a:ext uri="{28A0092B-C50C-407E-A947-70E740481C1C}">
-                <a14:useLocalDpi xmlns:a14="http://schemas.microsoft.com/office/drawing/2010/main" val="0"/>
-              </a:ext>
-            </a:extLst>
-          </a:blip>
-          <a:stretch>
-            <a:fillRect/>
-          </a:stretch>
-        </p:blipFill>
-        <p:spPr>
-          <a:xfrm rot="5400000">
-            <a:off x="5516962" y="2193539"/>
-            <a:ext cx="4022809" cy="3017107"/>
+        </p:nvSpPr>
+        <p:spPr>
+          <a:xfrm>
+            <a:off x="8975846" y="5805152"/>
+            <a:ext cx="1339402" cy="373487"/>
           </a:xfrm>
           <a:prstGeom prst="rect">
             <a:avLst/>
           </a:prstGeom>
         </p:spPr>
-      </p:pic>
-      <p:sp>
-        <p:nvSpPr>
-          <p:cNvPr id="12" name="TextBox 11"/>
-          <p:cNvSpPr txBox="1"/>
-          <p:nvPr/>
-        </p:nvSpPr>
-        <p:spPr>
-          <a:xfrm>
-            <a:off x="9937165" y="5939412"/>
-            <a:ext cx="1202573" cy="369332"/>
-          </a:xfrm>
-          <a:prstGeom prst="rect">
-            <a:avLst/>
-          </a:prstGeom>
-          <a:noFill/>
-        </p:spPr>
-        <p:txBody>
-          <a:bodyPr wrap="none" rtlCol="0">
-            <a:spAutoFit/>
-          </a:bodyPr>
-          <a:lstStyle/>
-          <a:p>
-            <a:r>
-              <a:rPr lang="en-US" smtClean="0"/>
-              <a:t>Sigma = 20</a:t>
-            </a:r>
-            <a:endParaRPr lang="en-US"/>
+        <p:style>
+          <a:lnRef idx="2">
+            <a:schemeClr val="accent1">
+              <a:shade val="50000"/>
+            </a:schemeClr>
+          </a:lnRef>
+          <a:fillRef idx="1">
+            <a:schemeClr val="accent1"/>
+          </a:fillRef>
+          <a:effectRef idx="0">
+            <a:schemeClr val="accent1"/>
+          </a:effectRef>
+          <a:fontRef idx="minor">
+            <a:schemeClr val="lt1"/>
+          </a:fontRef>
+        </p:style>
+        <p:txBody>
+          <a:bodyPr rtlCol="0" anchor="ctr"/>
+          <a:lstStyle>
+            <a:defPPr>
+              <a:defRPr lang="en-US"/>
+            </a:defPPr>
+            <a:lvl1pPr marL="0" algn="l" defTabSz="914400" rtl="0" eaLnBrk="1" latinLnBrk="0" hangingPunct="1">
+              <a:defRPr sz="1800" kern="1200">
+                <a:solidFill>
+                  <a:schemeClr val="lt1"/>
+                </a:solidFill>
+                <a:latin typeface="+mn-lt"/>
+                <a:ea typeface="+mn-ea"/>
+                <a:cs typeface="+mn-cs"/>
+              </a:defRPr>
+            </a:lvl1pPr>
+            <a:lvl2pPr marL="457200" algn="l" defTabSz="914400" rtl="0" eaLnBrk="1" latinLnBrk="0" hangingPunct="1">
+              <a:defRPr sz="1800" kern="1200">
+                <a:solidFill>
+                  <a:schemeClr val="lt1"/>
+                </a:solidFill>
+                <a:latin typeface="+mn-lt"/>
+                <a:ea typeface="+mn-ea"/>
+                <a:cs typeface="+mn-cs"/>
+              </a:defRPr>
+            </a:lvl2pPr>
+            <a:lvl3pPr marL="914400" algn="l" defTabSz="914400" rtl="0" eaLnBrk="1" latinLnBrk="0" hangingPunct="1">
+              <a:defRPr sz="1800" kern="1200">
+                <a:solidFill>
+                  <a:schemeClr val="lt1"/>
+                </a:solidFill>
+                <a:latin typeface="+mn-lt"/>
+                <a:ea typeface="+mn-ea"/>
+                <a:cs typeface="+mn-cs"/>
+              </a:defRPr>
+            </a:lvl3pPr>
+            <a:lvl4pPr marL="1371600" algn="l" defTabSz="914400" rtl="0" eaLnBrk="1" latinLnBrk="0" hangingPunct="1">
+              <a:defRPr sz="1800" kern="1200">
+                <a:solidFill>
+                  <a:schemeClr val="lt1"/>
+                </a:solidFill>
+                <a:latin typeface="+mn-lt"/>
+                <a:ea typeface="+mn-ea"/>
+                <a:cs typeface="+mn-cs"/>
+              </a:defRPr>
+            </a:lvl4pPr>
+            <a:lvl5pPr marL="1828800" algn="l" defTabSz="914400" rtl="0" eaLnBrk="1" latinLnBrk="0" hangingPunct="1">
+              <a:defRPr sz="1800" kern="1200">
+                <a:solidFill>
+                  <a:schemeClr val="lt1"/>
+                </a:solidFill>
+                <a:latin typeface="+mn-lt"/>
+                <a:ea typeface="+mn-ea"/>
+                <a:cs typeface="+mn-cs"/>
+              </a:defRPr>
+            </a:lvl5pPr>
+            <a:lvl6pPr marL="2286000" algn="l" defTabSz="914400" rtl="0" eaLnBrk="1" latinLnBrk="0" hangingPunct="1">
+              <a:defRPr sz="1800" kern="1200">
+                <a:solidFill>
+                  <a:schemeClr val="lt1"/>
+                </a:solidFill>
+                <a:latin typeface="+mn-lt"/>
+                <a:ea typeface="+mn-ea"/>
+                <a:cs typeface="+mn-cs"/>
+              </a:defRPr>
+            </a:lvl6pPr>
+            <a:lvl7pPr marL="2743200" algn="l" defTabSz="914400" rtl="0" eaLnBrk="1" latinLnBrk="0" hangingPunct="1">
+              <a:defRPr sz="1800" kern="1200">
+                <a:solidFill>
+                  <a:schemeClr val="lt1"/>
+                </a:solidFill>
+                <a:latin typeface="+mn-lt"/>
+                <a:ea typeface="+mn-ea"/>
+                <a:cs typeface="+mn-cs"/>
+              </a:defRPr>
+            </a:lvl7pPr>
+            <a:lvl8pPr marL="3200400" algn="l" defTabSz="914400" rtl="0" eaLnBrk="1" latinLnBrk="0" hangingPunct="1">
+              <a:defRPr sz="1800" kern="1200">
+                <a:solidFill>
+                  <a:schemeClr val="lt1"/>
+                </a:solidFill>
+                <a:latin typeface="+mn-lt"/>
+                <a:ea typeface="+mn-ea"/>
+                <a:cs typeface="+mn-cs"/>
+              </a:defRPr>
+            </a:lvl8pPr>
+            <a:lvl9pPr marL="3657600" algn="l" defTabSz="914400" rtl="0" eaLnBrk="1" latinLnBrk="0" hangingPunct="1">
+              <a:defRPr sz="1800" kern="1200">
+                <a:solidFill>
+                  <a:schemeClr val="lt1"/>
+                </a:solidFill>
+                <a:latin typeface="+mn-lt"/>
+                <a:ea typeface="+mn-ea"/>
+                <a:cs typeface="+mn-cs"/>
+              </a:defRPr>
+            </a:lvl9pPr>
+          </a:lstStyle>
+          <a:p>
+            <a:pPr algn="ctr"/>
+            <a:r>
+              <a:rPr lang="en-US" dirty="0" err="1" smtClean="0"/>
+              <a:t>Tatoo</a:t>
+            </a:r>
+            <a:endParaRPr lang="en-US" dirty="0"/>
           </a:p>
         </p:txBody>
       </p:sp>
     </p:spTree>
     <p:extLst>
       <p:ext uri="{BB962C8B-B14F-4D97-AF65-F5344CB8AC3E}">
-        <p14:creationId xmlns:p14="http://schemas.microsoft.com/office/powerpoint/2010/main" val="1223565748"/>
+        <p14:creationId xmlns:p14="http://schemas.microsoft.com/office/powerpoint/2010/main" val="1784591807"/>
       </p:ext>
     </p:extLst>
   </p:cSld>
@@ -3367,35 +3876,247 @@
           <a:p>
             <a:r>
               <a:rPr lang="en-US" smtClean="0"/>
-              <a:t>Nhận xét</a:t>
-            </a:r>
-            <a:endParaRPr lang="en-US"/>
-          </a:p>
-        </p:txBody>
-      </p:sp>
-      <p:sp>
-        <p:nvSpPr>
-          <p:cNvPr id="3" name="Content Placeholder 2"/>
-          <p:cNvSpPr>
-            <a:spLocks noGrp="1"/>
-          </p:cNvSpPr>
-          <p:nvPr>
-            <p:ph idx="1"/>
-          </p:nvPr>
-        </p:nvSpPr>
-        <p:spPr/>
-        <p:txBody>
-          <a:bodyPr>
-            <a:normAutofit/>
+              <a:t>1. Gauss filter</a:t>
+            </a:r>
+            <a:endParaRPr lang="en-US"/>
+          </a:p>
+        </p:txBody>
+      </p:sp>
+      <p:sp>
+        <p:nvSpPr>
+          <p:cNvPr id="8" name="TextBox 7"/>
+          <p:cNvSpPr txBox="1"/>
+          <p:nvPr/>
+        </p:nvSpPr>
+        <p:spPr>
+          <a:xfrm>
+            <a:off x="733025" y="5939412"/>
+            <a:ext cx="1545295" cy="369332"/>
+          </a:xfrm>
+          <a:prstGeom prst="rect">
+            <a:avLst/>
+          </a:prstGeom>
+          <a:noFill/>
+        </p:spPr>
+        <p:txBody>
+          <a:bodyPr wrap="none" rtlCol="0">
+            <a:spAutoFit/>
           </a:bodyPr>
           <a:lstStyle/>
           <a:p>
-            <a:pPr marL="0" indent="0">
-              <a:buNone/>
-            </a:pPr>
-            <a:r>
-              <a:rPr lang="en-US" smtClean="0"/>
-              <a:t>Sigma tăng, nhiễu giảm, blur tăng</a:t>
+            <a:r>
+              <a:rPr lang="en-US" smtClean="0"/>
+              <a:t>Original Image</a:t>
+            </a:r>
+            <a:endParaRPr lang="en-US"/>
+          </a:p>
+        </p:txBody>
+      </p:sp>
+      <p:pic>
+        <p:nvPicPr>
+          <p:cNvPr id="5" name="Picture 4"/>
+          <p:cNvPicPr>
+            <a:picLocks noChangeAspect="1"/>
+          </p:cNvPicPr>
+          <p:nvPr/>
+        </p:nvPicPr>
+        <p:blipFill>
+          <a:blip r:embed="rId2" cstate="print">
+            <a:extLst>
+              <a:ext uri="{28A0092B-C50C-407E-A947-70E740481C1C}">
+                <a14:useLocalDpi xmlns:a14="http://schemas.microsoft.com/office/drawing/2010/main" val="0"/>
+              </a:ext>
+            </a:extLst>
+          </a:blip>
+          <a:stretch>
+            <a:fillRect/>
+          </a:stretch>
+        </p:blipFill>
+        <p:spPr>
+          <a:xfrm rot="5400000">
+            <a:off x="-501891" y="2190876"/>
+            <a:ext cx="4015129" cy="3011347"/>
+          </a:xfrm>
+          <a:prstGeom prst="rect">
+            <a:avLst/>
+          </a:prstGeom>
+        </p:spPr>
+      </p:pic>
+      <p:pic>
+        <p:nvPicPr>
+          <p:cNvPr id="6" name="Picture 5"/>
+          <p:cNvPicPr>
+            <a:picLocks noChangeAspect="1"/>
+          </p:cNvPicPr>
+          <p:nvPr/>
+        </p:nvPicPr>
+        <p:blipFill>
+          <a:blip r:embed="rId3" cstate="print">
+            <a:extLst>
+              <a:ext uri="{28A0092B-C50C-407E-A947-70E740481C1C}">
+                <a14:useLocalDpi xmlns:a14="http://schemas.microsoft.com/office/drawing/2010/main" val="0"/>
+              </a:ext>
+            </a:extLst>
+          </a:blip>
+          <a:stretch>
+            <a:fillRect/>
+          </a:stretch>
+        </p:blipFill>
+        <p:spPr>
+          <a:xfrm rot="5400000">
+            <a:off x="8532144" y="2200256"/>
+            <a:ext cx="4015133" cy="3011350"/>
+          </a:xfrm>
+          <a:prstGeom prst="rect">
+            <a:avLst/>
+          </a:prstGeom>
+        </p:spPr>
+      </p:pic>
+      <p:pic>
+        <p:nvPicPr>
+          <p:cNvPr id="7" name="Picture 6"/>
+          <p:cNvPicPr>
+            <a:picLocks noChangeAspect="1"/>
+          </p:cNvPicPr>
+          <p:nvPr/>
+        </p:nvPicPr>
+        <p:blipFill>
+          <a:blip r:embed="rId4" cstate="print">
+            <a:extLst>
+              <a:ext uri="{28A0092B-C50C-407E-A947-70E740481C1C}">
+                <a14:useLocalDpi xmlns:a14="http://schemas.microsoft.com/office/drawing/2010/main" val="0"/>
+              </a:ext>
+            </a:extLst>
+          </a:blip>
+          <a:stretch>
+            <a:fillRect/>
+          </a:stretch>
+        </p:blipFill>
+        <p:spPr>
+          <a:xfrm rot="5400000">
+            <a:off x="2509081" y="2188251"/>
+            <a:ext cx="4018129" cy="3013597"/>
+          </a:xfrm>
+          <a:prstGeom prst="rect">
+            <a:avLst/>
+          </a:prstGeom>
+        </p:spPr>
+      </p:pic>
+      <p:sp>
+        <p:nvSpPr>
+          <p:cNvPr id="9" name="TextBox 8"/>
+          <p:cNvSpPr txBox="1"/>
+          <p:nvPr/>
+        </p:nvSpPr>
+        <p:spPr>
+          <a:xfrm>
+            <a:off x="3975368" y="5939412"/>
+            <a:ext cx="1085554" cy="369332"/>
+          </a:xfrm>
+          <a:prstGeom prst="rect">
+            <a:avLst/>
+          </a:prstGeom>
+          <a:noFill/>
+        </p:spPr>
+        <p:txBody>
+          <a:bodyPr wrap="none" rtlCol="0">
+            <a:spAutoFit/>
+          </a:bodyPr>
+          <a:lstStyle/>
+          <a:p>
+            <a:r>
+              <a:rPr lang="en-US" smtClean="0"/>
+              <a:t>Sigma = 5</a:t>
+            </a:r>
+            <a:endParaRPr lang="en-US"/>
+          </a:p>
+        </p:txBody>
+      </p:sp>
+      <p:sp>
+        <p:nvSpPr>
+          <p:cNvPr id="10" name="TextBox 9"/>
+          <p:cNvSpPr txBox="1"/>
+          <p:nvPr/>
+        </p:nvSpPr>
+        <p:spPr>
+          <a:xfrm>
+            <a:off x="6927081" y="5939412"/>
+            <a:ext cx="1202573" cy="369332"/>
+          </a:xfrm>
+          <a:prstGeom prst="rect">
+            <a:avLst/>
+          </a:prstGeom>
+          <a:noFill/>
+        </p:spPr>
+        <p:txBody>
+          <a:bodyPr wrap="none" rtlCol="0">
+            <a:spAutoFit/>
+          </a:bodyPr>
+          <a:lstStyle/>
+          <a:p>
+            <a:r>
+              <a:rPr lang="en-US" smtClean="0"/>
+              <a:t>Sigma = 10</a:t>
+            </a:r>
+            <a:endParaRPr lang="en-US"/>
+          </a:p>
+        </p:txBody>
+      </p:sp>
+      <p:pic>
+        <p:nvPicPr>
+          <p:cNvPr id="11" name="Picture 10"/>
+          <p:cNvPicPr>
+            <a:picLocks noChangeAspect="1"/>
+          </p:cNvPicPr>
+          <p:nvPr/>
+        </p:nvPicPr>
+        <p:blipFill>
+          <a:blip r:embed="rId5" cstate="print">
+            <a:extLst>
+              <a:ext uri="{28A0092B-C50C-407E-A947-70E740481C1C}">
+                <a14:useLocalDpi xmlns:a14="http://schemas.microsoft.com/office/drawing/2010/main" val="0"/>
+              </a:ext>
+            </a:extLst>
+          </a:blip>
+          <a:stretch>
+            <a:fillRect/>
+          </a:stretch>
+        </p:blipFill>
+        <p:spPr>
+          <a:xfrm rot="5400000">
+            <a:off x="5516962" y="2193539"/>
+            <a:ext cx="4022809" cy="3017107"/>
+          </a:xfrm>
+          <a:prstGeom prst="rect">
+            <a:avLst/>
+          </a:prstGeom>
+        </p:spPr>
+      </p:pic>
+      <p:sp>
+        <p:nvSpPr>
+          <p:cNvPr id="12" name="TextBox 11"/>
+          <p:cNvSpPr txBox="1"/>
+          <p:nvPr/>
+        </p:nvSpPr>
+        <p:spPr>
+          <a:xfrm>
+            <a:off x="9937165" y="5939412"/>
+            <a:ext cx="1202573" cy="369332"/>
+          </a:xfrm>
+          <a:prstGeom prst="rect">
+            <a:avLst/>
+          </a:prstGeom>
+          <a:noFill/>
+        </p:spPr>
+        <p:txBody>
+          <a:bodyPr wrap="none" rtlCol="0">
+            <a:spAutoFit/>
+          </a:bodyPr>
+          <a:lstStyle/>
+          <a:p>
+            <a:r>
+              <a:rPr lang="en-US" smtClean="0"/>
+              <a:t>Sigma = 20</a:t>
             </a:r>
             <a:endParaRPr lang="en-US"/>
           </a:p>
@@ -3404,7 +4125,7 @@
     </p:spTree>
     <p:extLst>
       <p:ext uri="{BB962C8B-B14F-4D97-AF65-F5344CB8AC3E}">
-        <p14:creationId xmlns:p14="http://schemas.microsoft.com/office/powerpoint/2010/main" val="3279492149"/>
+        <p14:creationId xmlns:p14="http://schemas.microsoft.com/office/powerpoint/2010/main" val="1223565748"/>
       </p:ext>
     </p:extLst>
   </p:cSld>
@@ -3448,137 +4169,35 @@
           <a:p>
             <a:r>
               <a:rPr lang="en-US" smtClean="0"/>
-              <a:t>2. Wiener filter</a:t>
-            </a:r>
-            <a:endParaRPr lang="en-US"/>
-          </a:p>
-        </p:txBody>
-      </p:sp>
-      <p:sp>
-        <p:nvSpPr>
-          <p:cNvPr id="6" name="TextBox 5"/>
-          <p:cNvSpPr txBox="1"/>
-          <p:nvPr/>
-        </p:nvSpPr>
-        <p:spPr>
-          <a:xfrm>
-            <a:off x="2813621" y="4229519"/>
-            <a:ext cx="1545295" cy="369332"/>
-          </a:xfrm>
-          <a:prstGeom prst="rect">
-            <a:avLst/>
-          </a:prstGeom>
-          <a:noFill/>
-        </p:spPr>
-        <p:txBody>
-          <a:bodyPr wrap="none" rtlCol="0">
-            <a:spAutoFit/>
+              <a:t>Nhận xét</a:t>
+            </a:r>
+            <a:endParaRPr lang="en-US"/>
+          </a:p>
+        </p:txBody>
+      </p:sp>
+      <p:sp>
+        <p:nvSpPr>
+          <p:cNvPr id="3" name="Content Placeholder 2"/>
+          <p:cNvSpPr>
+            <a:spLocks noGrp="1"/>
+          </p:cNvSpPr>
+          <p:nvPr>
+            <p:ph idx="1"/>
+          </p:nvPr>
+        </p:nvSpPr>
+        <p:spPr/>
+        <p:txBody>
+          <a:bodyPr>
+            <a:normAutofit/>
           </a:bodyPr>
           <a:lstStyle/>
           <a:p>
-            <a:r>
-              <a:rPr lang="en-US" smtClean="0"/>
-              <a:t>Original Image</a:t>
-            </a:r>
-            <a:endParaRPr lang="en-US"/>
-          </a:p>
-        </p:txBody>
-      </p:sp>
-      <p:pic>
-        <p:nvPicPr>
-          <p:cNvPr id="3" name="Picture 2"/>
-          <p:cNvPicPr>
-            <a:picLocks noChangeAspect="1"/>
-          </p:cNvPicPr>
-          <p:nvPr/>
-        </p:nvPicPr>
-        <p:blipFill>
-          <a:blip r:embed="rId2">
-            <a:extLst>
-              <a:ext uri="{28A0092B-C50C-407E-A947-70E740481C1C}">
-                <a14:useLocalDpi xmlns:a14="http://schemas.microsoft.com/office/drawing/2010/main" val="0"/>
-              </a:ext>
-            </a:extLst>
-          </a:blip>
-          <a:stretch>
-            <a:fillRect/>
-          </a:stretch>
-        </p:blipFill>
-        <p:spPr>
-          <a:xfrm>
-            <a:off x="2330545" y="1694262"/>
-            <a:ext cx="2438400" cy="2438400"/>
-          </a:xfrm>
-          <a:prstGeom prst="rect">
-            <a:avLst/>
-          </a:prstGeom>
-        </p:spPr>
-      </p:pic>
-      <p:pic>
-        <p:nvPicPr>
-          <p:cNvPr id="8" name="Picture 7"/>
-          <p:cNvPicPr>
-            <a:picLocks noChangeAspect="1"/>
-          </p:cNvPicPr>
-          <p:nvPr/>
-        </p:nvPicPr>
-        <p:blipFill>
-          <a:blip r:embed="rId3">
-            <a:extLst>
-              <a:ext uri="{28A0092B-C50C-407E-A947-70E740481C1C}">
-                <a14:useLocalDpi xmlns:a14="http://schemas.microsoft.com/office/drawing/2010/main" val="0"/>
-              </a:ext>
-            </a:extLst>
-          </a:blip>
-          <a:stretch>
-            <a:fillRect/>
-          </a:stretch>
-        </p:blipFill>
-        <p:spPr>
-          <a:xfrm>
-            <a:off x="6026728" y="1690688"/>
-            <a:ext cx="2438400" cy="2438400"/>
-          </a:xfrm>
-          <a:prstGeom prst="rect">
-            <a:avLst/>
-          </a:prstGeom>
-        </p:spPr>
-      </p:pic>
-      <p:sp>
-        <p:nvSpPr>
-          <p:cNvPr id="10" name="TextBox 9"/>
-          <p:cNvSpPr txBox="1"/>
-          <p:nvPr/>
-        </p:nvSpPr>
-        <p:spPr>
-          <a:xfrm>
-            <a:off x="6207244" y="4229519"/>
-            <a:ext cx="2322880" cy="646331"/>
-          </a:xfrm>
-          <a:prstGeom prst="rect">
-            <a:avLst/>
-          </a:prstGeom>
-          <a:noFill/>
-        </p:spPr>
-        <p:txBody>
-          <a:bodyPr wrap="none" rtlCol="0">
-            <a:spAutoFit/>
-          </a:bodyPr>
-          <a:lstStyle/>
-          <a:p>
-            <a:r>
-              <a:rPr lang="en-US" smtClean="0"/>
-              <a:t>Add noise, var = </a:t>
-            </a:r>
-            <a:r>
-              <a:rPr lang="en-US" smtClean="0"/>
-              <a:t>0.005,</a:t>
-            </a:r>
-          </a:p>
-          <a:p>
-            <a:r>
-              <a:rPr lang="en-US" smtClean="0"/>
-              <a:t>17.722874472466284</a:t>
+            <a:pPr marL="0" indent="0">
+              <a:buNone/>
+            </a:pPr>
+            <a:r>
+              <a:rPr lang="en-US" smtClean="0"/>
+              <a:t>Sigma tăng, nhiễu giảm, blur tăng</a:t>
             </a:r>
             <a:endParaRPr lang="en-US"/>
           </a:p>
@@ -3587,7 +4206,7 @@
     </p:spTree>
     <p:extLst>
       <p:ext uri="{BB962C8B-B14F-4D97-AF65-F5344CB8AC3E}">
-        <p14:creationId xmlns:p14="http://schemas.microsoft.com/office/powerpoint/2010/main" val="2331321520"/>
+        <p14:creationId xmlns:p14="http://schemas.microsoft.com/office/powerpoint/2010/main" val="3279492149"/>
       </p:ext>
     </p:extLst>
   </p:cSld>
@@ -3637,9 +4256,39 @@
           </a:p>
         </p:txBody>
       </p:sp>
+      <p:sp>
+        <p:nvSpPr>
+          <p:cNvPr id="6" name="TextBox 5"/>
+          <p:cNvSpPr txBox="1"/>
+          <p:nvPr/>
+        </p:nvSpPr>
+        <p:spPr>
+          <a:xfrm>
+            <a:off x="2813621" y="4229519"/>
+            <a:ext cx="1545295" cy="369332"/>
+          </a:xfrm>
+          <a:prstGeom prst="rect">
+            <a:avLst/>
+          </a:prstGeom>
+          <a:noFill/>
+        </p:spPr>
+        <p:txBody>
+          <a:bodyPr wrap="none" rtlCol="0">
+            <a:spAutoFit/>
+          </a:bodyPr>
+          <a:lstStyle/>
+          <a:p>
+            <a:r>
+              <a:rPr lang="en-US" smtClean="0"/>
+              <a:t>Original Image</a:t>
+            </a:r>
+            <a:endParaRPr lang="en-US"/>
+          </a:p>
+        </p:txBody>
+      </p:sp>
       <p:pic>
         <p:nvPicPr>
-          <p:cNvPr id="13" name="Picture 12"/>
+          <p:cNvPr id="3" name="Picture 2"/>
           <p:cNvPicPr>
             <a:picLocks noChangeAspect="1"/>
           </p:cNvPicPr>
@@ -3659,7 +4308,7 @@
         </p:blipFill>
         <p:spPr>
           <a:xfrm>
-            <a:off x="980049" y="1690688"/>
+            <a:off x="2330545" y="1694262"/>
             <a:ext cx="2438400" cy="2438400"/>
           </a:xfrm>
           <a:prstGeom prst="rect">
@@ -3669,7 +4318,7 @@
       </p:pic>
       <p:pic>
         <p:nvPicPr>
-          <p:cNvPr id="14" name="Picture 13"/>
+          <p:cNvPr id="8" name="Picture 7"/>
           <p:cNvPicPr>
             <a:picLocks noChangeAspect="1"/>
           </p:cNvPicPr>
@@ -3689,7 +4338,7 @@
         </p:blipFill>
         <p:spPr>
           <a:xfrm>
-            <a:off x="3418449" y="1690688"/>
+            <a:off x="6026728" y="1690688"/>
             <a:ext cx="2438400" cy="2438400"/>
           </a:xfrm>
           <a:prstGeom prst="rect">
@@ -3699,14 +4348,14 @@
       </p:pic>
       <p:sp>
         <p:nvSpPr>
-          <p:cNvPr id="15" name="TextBox 14"/>
+          <p:cNvPr id="10" name="TextBox 9"/>
           <p:cNvSpPr txBox="1"/>
           <p:nvPr/>
         </p:nvSpPr>
         <p:spPr>
           <a:xfrm>
-            <a:off x="1201444" y="4272111"/>
-            <a:ext cx="2231701" cy="646331"/>
+            <a:off x="6207244" y="4229519"/>
+            <a:ext cx="2322880" cy="646331"/>
           </a:xfrm>
           <a:prstGeom prst="rect">
             <a:avLst/>
@@ -3721,199 +4370,13 @@
           <a:p>
             <a:r>
               <a:rPr lang="en-US" smtClean="0"/>
-              <a:t>Var = 0.001, </a:t>
-            </a:r>
-            <a:endParaRPr lang="en-US" smtClean="0"/>
-          </a:p>
-          <a:p>
-            <a:r>
-              <a:rPr lang="en-US" smtClean="0"/>
-              <a:t>15.379689970673992</a:t>
-            </a:r>
-            <a:endParaRPr lang="en-US"/>
-          </a:p>
-        </p:txBody>
-      </p:sp>
-      <p:sp>
-        <p:nvSpPr>
-          <p:cNvPr id="16" name="TextBox 15"/>
-          <p:cNvSpPr txBox="1"/>
-          <p:nvPr/>
-        </p:nvSpPr>
-        <p:spPr>
-          <a:xfrm>
-            <a:off x="3624046" y="4318278"/>
-            <a:ext cx="2284600" cy="646331"/>
-          </a:xfrm>
-          <a:prstGeom prst="rect">
-            <a:avLst/>
-          </a:prstGeom>
-          <a:noFill/>
-        </p:spPr>
-        <p:txBody>
-          <a:bodyPr wrap="none" rtlCol="0">
-            <a:spAutoFit/>
-          </a:bodyPr>
-          <a:lstStyle/>
-          <a:p>
-            <a:r>
-              <a:rPr lang="en-US" smtClean="0"/>
-              <a:t>Var = 0.003</a:t>
-            </a:r>
-            <a:r>
-              <a:rPr lang="en-US" smtClean="0"/>
-              <a:t>,</a:t>
-            </a:r>
-          </a:p>
-          <a:p>
-            <a:r>
-              <a:rPr lang="en-US" smtClean="0"/>
-              <a:t> </a:t>
-            </a:r>
-            <a:r>
-              <a:rPr lang="en-US" smtClean="0"/>
-              <a:t>12.487056837326392</a:t>
-            </a:r>
-            <a:endParaRPr lang="en-US"/>
-          </a:p>
-        </p:txBody>
-      </p:sp>
-      <p:pic>
-        <p:nvPicPr>
-          <p:cNvPr id="17" name="Picture 16"/>
-          <p:cNvPicPr>
-            <a:picLocks noChangeAspect="1"/>
-          </p:cNvPicPr>
-          <p:nvPr/>
-        </p:nvPicPr>
-        <p:blipFill>
-          <a:blip r:embed="rId4">
-            <a:extLst>
-              <a:ext uri="{28A0092B-C50C-407E-A947-70E740481C1C}">
-                <a14:useLocalDpi xmlns:a14="http://schemas.microsoft.com/office/drawing/2010/main" val="0"/>
-              </a:ext>
-            </a:extLst>
-          </a:blip>
-          <a:stretch>
-            <a:fillRect/>
-          </a:stretch>
-        </p:blipFill>
-        <p:spPr>
-          <a:xfrm>
-            <a:off x="5856849" y="1690688"/>
-            <a:ext cx="2438400" cy="2438400"/>
-          </a:xfrm>
-          <a:prstGeom prst="rect">
-            <a:avLst/>
-          </a:prstGeom>
-        </p:spPr>
-      </p:pic>
-      <p:sp>
-        <p:nvSpPr>
-          <p:cNvPr id="18" name="TextBox 17"/>
-          <p:cNvSpPr txBox="1"/>
-          <p:nvPr/>
-        </p:nvSpPr>
-        <p:spPr>
-          <a:xfrm>
-            <a:off x="5933749" y="4318278"/>
-            <a:ext cx="2284600" cy="646331"/>
-          </a:xfrm>
-          <a:prstGeom prst="rect">
-            <a:avLst/>
-          </a:prstGeom>
-          <a:noFill/>
-        </p:spPr>
-        <p:txBody>
-          <a:bodyPr wrap="none" rtlCol="0">
-            <a:spAutoFit/>
-          </a:bodyPr>
-          <a:lstStyle/>
-          <a:p>
-            <a:r>
-              <a:rPr lang="en-US" smtClean="0"/>
-              <a:t>Var = 0.005</a:t>
-            </a:r>
-            <a:r>
-              <a:rPr lang="en-US" smtClean="0"/>
-              <a:t>,</a:t>
-            </a:r>
-          </a:p>
-          <a:p>
-            <a:r>
-              <a:rPr lang="en-US" smtClean="0"/>
-              <a:t> </a:t>
-            </a:r>
-            <a:r>
-              <a:rPr lang="en-US" smtClean="0"/>
-              <a:t>12.870793409374407</a:t>
-            </a:r>
-            <a:endParaRPr lang="en-US"/>
-          </a:p>
-        </p:txBody>
-      </p:sp>
-      <p:pic>
-        <p:nvPicPr>
-          <p:cNvPr id="19" name="Picture 18"/>
-          <p:cNvPicPr>
-            <a:picLocks noChangeAspect="1"/>
-          </p:cNvPicPr>
-          <p:nvPr/>
-        </p:nvPicPr>
-        <p:blipFill>
-          <a:blip r:embed="rId5">
-            <a:extLst>
-              <a:ext uri="{28A0092B-C50C-407E-A947-70E740481C1C}">
-                <a14:useLocalDpi xmlns:a14="http://schemas.microsoft.com/office/drawing/2010/main" val="0"/>
-              </a:ext>
-            </a:extLst>
-          </a:blip>
-          <a:stretch>
-            <a:fillRect/>
-          </a:stretch>
-        </p:blipFill>
-        <p:spPr>
-          <a:xfrm>
-            <a:off x="8295249" y="1690688"/>
-            <a:ext cx="2438400" cy="2438400"/>
-          </a:xfrm>
-          <a:prstGeom prst="rect">
-            <a:avLst/>
-          </a:prstGeom>
-        </p:spPr>
-      </p:pic>
-      <p:sp>
-        <p:nvSpPr>
-          <p:cNvPr id="20" name="TextBox 19"/>
-          <p:cNvSpPr txBox="1"/>
-          <p:nvPr/>
-        </p:nvSpPr>
-        <p:spPr>
-          <a:xfrm>
-            <a:off x="8515617" y="4318278"/>
-            <a:ext cx="1997663" cy="646331"/>
-          </a:xfrm>
-          <a:prstGeom prst="rect">
-            <a:avLst/>
-          </a:prstGeom>
-          <a:noFill/>
-        </p:spPr>
-        <p:txBody>
-          <a:bodyPr wrap="none" rtlCol="0">
-            <a:spAutoFit/>
-          </a:bodyPr>
-          <a:lstStyle/>
-          <a:p>
-            <a:r>
-              <a:rPr lang="en-US" smtClean="0"/>
-              <a:t>Var = 0.007, </a:t>
-            </a:r>
-            <a:endParaRPr lang="en-US" smtClean="0"/>
-          </a:p>
-          <a:p>
-            <a:r>
-              <a:rPr lang="en-US" smtClean="0"/>
-              <a:t>17.8867848126675</a:t>
+              <a:t>Add noise, var = 0.005,</a:t>
+            </a:r>
+          </a:p>
+          <a:p>
+            <a:r>
+              <a:rPr lang="en-US" smtClean="0"/>
+              <a:t>17.722874472466284</a:t>
             </a:r>
             <a:endParaRPr lang="en-US"/>
           </a:p>
@@ -3922,7 +4385,7 @@
     </p:spTree>
     <p:extLst>
       <p:ext uri="{BB962C8B-B14F-4D97-AF65-F5344CB8AC3E}">
-        <p14:creationId xmlns:p14="http://schemas.microsoft.com/office/powerpoint/2010/main" val="1942097894"/>
+        <p14:creationId xmlns:p14="http://schemas.microsoft.com/office/powerpoint/2010/main" val="2331321520"/>
       </p:ext>
     </p:extLst>
   </p:cSld>
@@ -3966,6 +4429,323 @@
           <a:p>
             <a:r>
               <a:rPr lang="en-US" smtClean="0"/>
+              <a:t>2. Wiener filter</a:t>
+            </a:r>
+            <a:endParaRPr lang="en-US"/>
+          </a:p>
+        </p:txBody>
+      </p:sp>
+      <p:pic>
+        <p:nvPicPr>
+          <p:cNvPr id="13" name="Picture 12"/>
+          <p:cNvPicPr>
+            <a:picLocks noChangeAspect="1"/>
+          </p:cNvPicPr>
+          <p:nvPr/>
+        </p:nvPicPr>
+        <p:blipFill>
+          <a:blip r:embed="rId2">
+            <a:extLst>
+              <a:ext uri="{28A0092B-C50C-407E-A947-70E740481C1C}">
+                <a14:useLocalDpi xmlns:a14="http://schemas.microsoft.com/office/drawing/2010/main" val="0"/>
+              </a:ext>
+            </a:extLst>
+          </a:blip>
+          <a:stretch>
+            <a:fillRect/>
+          </a:stretch>
+        </p:blipFill>
+        <p:spPr>
+          <a:xfrm>
+            <a:off x="980049" y="1690688"/>
+            <a:ext cx="2438400" cy="2438400"/>
+          </a:xfrm>
+          <a:prstGeom prst="rect">
+            <a:avLst/>
+          </a:prstGeom>
+        </p:spPr>
+      </p:pic>
+      <p:pic>
+        <p:nvPicPr>
+          <p:cNvPr id="14" name="Picture 13"/>
+          <p:cNvPicPr>
+            <a:picLocks noChangeAspect="1"/>
+          </p:cNvPicPr>
+          <p:nvPr/>
+        </p:nvPicPr>
+        <p:blipFill>
+          <a:blip r:embed="rId3">
+            <a:extLst>
+              <a:ext uri="{28A0092B-C50C-407E-A947-70E740481C1C}">
+                <a14:useLocalDpi xmlns:a14="http://schemas.microsoft.com/office/drawing/2010/main" val="0"/>
+              </a:ext>
+            </a:extLst>
+          </a:blip>
+          <a:stretch>
+            <a:fillRect/>
+          </a:stretch>
+        </p:blipFill>
+        <p:spPr>
+          <a:xfrm>
+            <a:off x="3418449" y="1690688"/>
+            <a:ext cx="2438400" cy="2438400"/>
+          </a:xfrm>
+          <a:prstGeom prst="rect">
+            <a:avLst/>
+          </a:prstGeom>
+        </p:spPr>
+      </p:pic>
+      <p:sp>
+        <p:nvSpPr>
+          <p:cNvPr id="15" name="TextBox 14"/>
+          <p:cNvSpPr txBox="1"/>
+          <p:nvPr/>
+        </p:nvSpPr>
+        <p:spPr>
+          <a:xfrm>
+            <a:off x="1201444" y="4272111"/>
+            <a:ext cx="2231701" cy="646331"/>
+          </a:xfrm>
+          <a:prstGeom prst="rect">
+            <a:avLst/>
+          </a:prstGeom>
+          <a:noFill/>
+        </p:spPr>
+        <p:txBody>
+          <a:bodyPr wrap="none" rtlCol="0">
+            <a:spAutoFit/>
+          </a:bodyPr>
+          <a:lstStyle/>
+          <a:p>
+            <a:r>
+              <a:rPr lang="en-US" smtClean="0"/>
+              <a:t>Var = 0.001, </a:t>
+            </a:r>
+          </a:p>
+          <a:p>
+            <a:r>
+              <a:rPr lang="en-US" smtClean="0"/>
+              <a:t>15.379689970673992</a:t>
+            </a:r>
+            <a:endParaRPr lang="en-US"/>
+          </a:p>
+        </p:txBody>
+      </p:sp>
+      <p:sp>
+        <p:nvSpPr>
+          <p:cNvPr id="16" name="TextBox 15"/>
+          <p:cNvSpPr txBox="1"/>
+          <p:nvPr/>
+        </p:nvSpPr>
+        <p:spPr>
+          <a:xfrm>
+            <a:off x="3624046" y="4318278"/>
+            <a:ext cx="2284600" cy="646331"/>
+          </a:xfrm>
+          <a:prstGeom prst="rect">
+            <a:avLst/>
+          </a:prstGeom>
+          <a:noFill/>
+        </p:spPr>
+        <p:txBody>
+          <a:bodyPr wrap="none" rtlCol="0">
+            <a:spAutoFit/>
+          </a:bodyPr>
+          <a:lstStyle/>
+          <a:p>
+            <a:r>
+              <a:rPr lang="en-US" smtClean="0"/>
+              <a:t>Var = 0.003,</a:t>
+            </a:r>
+          </a:p>
+          <a:p>
+            <a:r>
+              <a:rPr lang="en-US" smtClean="0"/>
+              <a:t> 12.487056837326392</a:t>
+            </a:r>
+            <a:endParaRPr lang="en-US"/>
+          </a:p>
+        </p:txBody>
+      </p:sp>
+      <p:pic>
+        <p:nvPicPr>
+          <p:cNvPr id="17" name="Picture 16"/>
+          <p:cNvPicPr>
+            <a:picLocks noChangeAspect="1"/>
+          </p:cNvPicPr>
+          <p:nvPr/>
+        </p:nvPicPr>
+        <p:blipFill>
+          <a:blip r:embed="rId4">
+            <a:extLst>
+              <a:ext uri="{28A0092B-C50C-407E-A947-70E740481C1C}">
+                <a14:useLocalDpi xmlns:a14="http://schemas.microsoft.com/office/drawing/2010/main" val="0"/>
+              </a:ext>
+            </a:extLst>
+          </a:blip>
+          <a:stretch>
+            <a:fillRect/>
+          </a:stretch>
+        </p:blipFill>
+        <p:spPr>
+          <a:xfrm>
+            <a:off x="5856849" y="1690688"/>
+            <a:ext cx="2438400" cy="2438400"/>
+          </a:xfrm>
+          <a:prstGeom prst="rect">
+            <a:avLst/>
+          </a:prstGeom>
+        </p:spPr>
+      </p:pic>
+      <p:sp>
+        <p:nvSpPr>
+          <p:cNvPr id="18" name="TextBox 17"/>
+          <p:cNvSpPr txBox="1"/>
+          <p:nvPr/>
+        </p:nvSpPr>
+        <p:spPr>
+          <a:xfrm>
+            <a:off x="5933749" y="4318278"/>
+            <a:ext cx="2284600" cy="646331"/>
+          </a:xfrm>
+          <a:prstGeom prst="rect">
+            <a:avLst/>
+          </a:prstGeom>
+          <a:noFill/>
+        </p:spPr>
+        <p:txBody>
+          <a:bodyPr wrap="none" rtlCol="0">
+            <a:spAutoFit/>
+          </a:bodyPr>
+          <a:lstStyle/>
+          <a:p>
+            <a:r>
+              <a:rPr lang="en-US" smtClean="0"/>
+              <a:t>Var = 0.005,</a:t>
+            </a:r>
+          </a:p>
+          <a:p>
+            <a:r>
+              <a:rPr lang="en-US" smtClean="0"/>
+              <a:t> 12.870793409374407</a:t>
+            </a:r>
+            <a:endParaRPr lang="en-US"/>
+          </a:p>
+        </p:txBody>
+      </p:sp>
+      <p:pic>
+        <p:nvPicPr>
+          <p:cNvPr id="19" name="Picture 18"/>
+          <p:cNvPicPr>
+            <a:picLocks noChangeAspect="1"/>
+          </p:cNvPicPr>
+          <p:nvPr/>
+        </p:nvPicPr>
+        <p:blipFill>
+          <a:blip r:embed="rId5">
+            <a:extLst>
+              <a:ext uri="{28A0092B-C50C-407E-A947-70E740481C1C}">
+                <a14:useLocalDpi xmlns:a14="http://schemas.microsoft.com/office/drawing/2010/main" val="0"/>
+              </a:ext>
+            </a:extLst>
+          </a:blip>
+          <a:stretch>
+            <a:fillRect/>
+          </a:stretch>
+        </p:blipFill>
+        <p:spPr>
+          <a:xfrm>
+            <a:off x="8295249" y="1690688"/>
+            <a:ext cx="2438400" cy="2438400"/>
+          </a:xfrm>
+          <a:prstGeom prst="rect">
+            <a:avLst/>
+          </a:prstGeom>
+        </p:spPr>
+      </p:pic>
+      <p:sp>
+        <p:nvSpPr>
+          <p:cNvPr id="20" name="TextBox 19"/>
+          <p:cNvSpPr txBox="1"/>
+          <p:nvPr/>
+        </p:nvSpPr>
+        <p:spPr>
+          <a:xfrm>
+            <a:off x="8515617" y="4318278"/>
+            <a:ext cx="1997663" cy="646331"/>
+          </a:xfrm>
+          <a:prstGeom prst="rect">
+            <a:avLst/>
+          </a:prstGeom>
+          <a:noFill/>
+        </p:spPr>
+        <p:txBody>
+          <a:bodyPr wrap="none" rtlCol="0">
+            <a:spAutoFit/>
+          </a:bodyPr>
+          <a:lstStyle/>
+          <a:p>
+            <a:r>
+              <a:rPr lang="en-US" smtClean="0"/>
+              <a:t>Var = 0.007, </a:t>
+            </a:r>
+          </a:p>
+          <a:p>
+            <a:r>
+              <a:rPr lang="en-US" smtClean="0"/>
+              <a:t>17.8867848126675</a:t>
+            </a:r>
+            <a:endParaRPr lang="en-US"/>
+          </a:p>
+        </p:txBody>
+      </p:sp>
+    </p:spTree>
+    <p:extLst>
+      <p:ext uri="{BB962C8B-B14F-4D97-AF65-F5344CB8AC3E}">
+        <p14:creationId xmlns:p14="http://schemas.microsoft.com/office/powerpoint/2010/main" val="1942097894"/>
+      </p:ext>
+    </p:extLst>
+  </p:cSld>
+  <p:clrMapOvr>
+    <a:masterClrMapping/>
+  </p:clrMapOvr>
+</p:sld>
+</file>
+
+<file path=ppt/slides/slide7.xml><?xml version="1.0" encoding="utf-8"?>
+<p:sld xmlns:a="http://schemas.openxmlformats.org/drawingml/2006/main" xmlns:r="http://schemas.openxmlformats.org/officeDocument/2006/relationships" xmlns:p="http://schemas.openxmlformats.org/presentationml/2006/main">
+  <p:cSld>
+    <p:spTree>
+      <p:nvGrpSpPr>
+        <p:cNvPr id="1" name=""/>
+        <p:cNvGrpSpPr/>
+        <p:nvPr/>
+      </p:nvGrpSpPr>
+      <p:grpSpPr>
+        <a:xfrm>
+          <a:off x="0" y="0"/>
+          <a:ext cx="0" cy="0"/>
+          <a:chOff x="0" y="0"/>
+          <a:chExt cx="0" cy="0"/>
+        </a:xfrm>
+      </p:grpSpPr>
+      <p:sp>
+        <p:nvSpPr>
+          <p:cNvPr id="2" name="Title 1"/>
+          <p:cNvSpPr>
+            <a:spLocks noGrp="1"/>
+          </p:cNvSpPr>
+          <p:nvPr>
+            <p:ph type="title"/>
+          </p:nvPr>
+        </p:nvSpPr>
+        <p:spPr/>
+        <p:txBody>
+          <a:bodyPr/>
+          <a:lstStyle/>
+          <a:p>
+            <a:r>
+              <a:rPr lang="en-US" smtClean="0"/>
               <a:t>Nhận xét</a:t>
             </a:r>
             <a:endParaRPr lang="en-US"/>
@@ -3989,23 +4769,15 @@
           <a:p>
             <a:r>
               <a:rPr lang="en-US"/>
-              <a:t>Khi giá trị variance của Wiener </a:t>
+              <a:t>Khi giá trị variance của Wiener tăng </a:t>
+            </a:r>
+            <a:r>
+              <a:rPr lang="en-US" smtClean="0"/>
+              <a:t>đến variance </a:t>
             </a:r>
             <a:r>
               <a:rPr lang="en-US"/>
-              <a:t>tăng </a:t>
-            </a:r>
-            <a:r>
-              <a:rPr lang="en-US" smtClean="0"/>
-              <a:t>đến variance </a:t>
-            </a:r>
-            <a:r>
-              <a:rPr lang="en-US"/>
-              <a:t>của ảnh thì </a:t>
-            </a:r>
-            <a:r>
-              <a:rPr lang="en-US"/>
-              <a:t>nhiễu </a:t>
+              <a:t>của ảnh thì nhiễu </a:t>
             </a:r>
             <a:r>
               <a:rPr lang="en-US" smtClean="0"/>
